--- a/elmélet/oop.pptx
+++ b/elmélet/oop.pptx
@@ -289,7 +289,7 @@
             <a:fld id="{87DE6118-2437-4B30-8E3C-4D2BE6020583}" type="datetimeFigureOut">
               <a:rPr lang="en-US" smtClean="0"/>
               <a:pPr/>
-              <a:t>8/19/23</a:t>
+              <a:t>8/22/23</a:t>
             </a:fld>
             <a:endParaRPr lang="en-US" dirty="0"/>
           </a:p>
@@ -620,7 +620,7 @@
           <a:p>
             <a:fld id="{87DE6118-2437-4B30-8E3C-4D2BE6020583}" type="datetimeFigureOut">
               <a:rPr lang="en-US" smtClean="0"/>
-              <a:t>8/19/23</a:t>
+              <a:t>8/22/23</a:t>
             </a:fld>
             <a:endParaRPr lang="en-US" dirty="0"/>
           </a:p>
@@ -800,7 +800,7 @@
           <a:p>
             <a:fld id="{87DE6118-2437-4B30-8E3C-4D2BE6020583}" type="datetimeFigureOut">
               <a:rPr lang="en-US" smtClean="0"/>
-              <a:t>8/19/23</a:t>
+              <a:t>8/22/23</a:t>
             </a:fld>
             <a:endParaRPr lang="en-US" dirty="0"/>
           </a:p>
@@ -970,7 +970,7 @@
           <a:p>
             <a:fld id="{87DE6118-2437-4B30-8E3C-4D2BE6020583}" type="datetimeFigureOut">
               <a:rPr lang="en-US" smtClean="0"/>
-              <a:t>8/19/23</a:t>
+              <a:t>8/22/23</a:t>
             </a:fld>
             <a:endParaRPr lang="en-US" dirty="0"/>
           </a:p>
@@ -1248,7 +1248,7 @@
             <a:fld id="{87DE6118-2437-4B30-8E3C-4D2BE6020583}" type="datetimeFigureOut">
               <a:rPr lang="en-US" smtClean="0"/>
               <a:pPr/>
-              <a:t>8/19/23</a:t>
+              <a:t>8/22/23</a:t>
             </a:fld>
             <a:endParaRPr lang="en-US" dirty="0"/>
           </a:p>
@@ -1643,7 +1643,7 @@
           <a:p>
             <a:fld id="{87DE6118-2437-4B30-8E3C-4D2BE6020583}" type="datetimeFigureOut">
               <a:rPr lang="en-US" smtClean="0"/>
-              <a:t>8/19/23</a:t>
+              <a:t>8/22/23</a:t>
             </a:fld>
             <a:endParaRPr lang="en-US" dirty="0"/>
           </a:p>
@@ -2120,7 +2120,7 @@
           <a:p>
             <a:fld id="{87DE6118-2437-4B30-8E3C-4D2BE6020583}" type="datetimeFigureOut">
               <a:rPr lang="en-US" smtClean="0"/>
-              <a:t>8/19/23</a:t>
+              <a:t>8/22/23</a:t>
             </a:fld>
             <a:endParaRPr lang="en-US" dirty="0"/>
           </a:p>
@@ -2238,7 +2238,7 @@
           <a:p>
             <a:fld id="{87DE6118-2437-4B30-8E3C-4D2BE6020583}" type="datetimeFigureOut">
               <a:rPr lang="en-US" smtClean="0"/>
-              <a:t>8/19/23</a:t>
+              <a:t>8/22/23</a:t>
             </a:fld>
             <a:endParaRPr lang="en-US" dirty="0"/>
           </a:p>
@@ -2333,7 +2333,7 @@
           <a:p>
             <a:fld id="{87DE6118-2437-4B30-8E3C-4D2BE6020583}" type="datetimeFigureOut">
               <a:rPr lang="en-US" smtClean="0"/>
-              <a:t>8/19/23</a:t>
+              <a:t>8/22/23</a:t>
             </a:fld>
             <a:endParaRPr lang="en-US" dirty="0"/>
           </a:p>
@@ -2680,7 +2680,7 @@
             <a:fld id="{87DE6118-2437-4B30-8E3C-4D2BE6020583}" type="datetimeFigureOut">
               <a:rPr lang="en-US" smtClean="0"/>
               <a:pPr/>
-              <a:t>8/19/23</a:t>
+              <a:t>8/22/23</a:t>
             </a:fld>
             <a:endParaRPr lang="en-US" dirty="0"/>
           </a:p>
@@ -3070,7 +3070,7 @@
             <a:fld id="{87DE6118-2437-4B30-8E3C-4D2BE6020583}" type="datetimeFigureOut">
               <a:rPr lang="en-US" smtClean="0"/>
               <a:pPr/>
-              <a:t>8/19/23</a:t>
+              <a:t>8/22/23</a:t>
             </a:fld>
             <a:endParaRPr lang="en-US" dirty="0"/>
           </a:p>
@@ -3350,7 +3350,7 @@
             <a:fld id="{87DE6118-2437-4B30-8E3C-4D2BE6020583}" type="datetimeFigureOut">
               <a:rPr lang="en-US" smtClean="0"/>
               <a:pPr/>
-              <a:t>8/19/23</a:t>
+              <a:t>8/22/23</a:t>
             </a:fld>
             <a:endParaRPr lang="en-US" dirty="0"/>
           </a:p>
@@ -3891,7 +3891,7 @@
           <a:p>
             <a:r>
               <a:rPr lang="hu-HU" dirty="0"/>
-              <a:t>Elágazások</a:t>
+              <a:t>OOP</a:t>
             </a:r>
           </a:p>
         </p:txBody>
@@ -4042,7 +4042,7 @@
           <a:p>
             <a:r>
               <a:rPr lang="hu-HU" dirty="0"/>
-              <a:t>Mi az az elágazás?</a:t>
+              <a:t>Mi az az OOP?</a:t>
             </a:r>
           </a:p>
         </p:txBody>
@@ -4068,16 +4068,7 @@
           <a:bodyPr/>
           <a:lstStyle/>
           <a:p>
-            <a:r>
-              <a:rPr lang="hu-HU" dirty="0"/>
-              <a:t>Feltétel vizsgálata:</a:t>
-            </a:r>
-          </a:p>
-          <a:p>
-            <a:r>
-              <a:rPr lang="hu-HU" dirty="0"/>
-              <a:t>Boolean</a:t>
-            </a:r>
+            <a:endParaRPr lang="hu-HU" dirty="0"/>
           </a:p>
         </p:txBody>
       </p:sp>
@@ -4148,10 +4139,10 @@
       </p:pic>
       <p:pic>
         <p:nvPicPr>
-          <p:cNvPr id="1026" name="Picture 2" descr="What Is A Conditional Branching In Computer">
+          <p:cNvPr id="5" name="Picture 2" descr="Object-Oriented Programming (OOP) - MiltonMarketing.com">
             <a:extLst>
               <a:ext uri="{FF2B5EF4-FFF2-40B4-BE49-F238E27FC236}">
-                <a16:creationId xmlns:a16="http://schemas.microsoft.com/office/drawing/2014/main" id="{EE450274-7938-C81A-2940-4CFDE14E8EE6}"/>
+                <a16:creationId xmlns:a16="http://schemas.microsoft.com/office/drawing/2014/main" id="{9D70ED53-1087-1FCC-2B59-9559FCEC4EED}"/>
               </a:ext>
             </a:extLst>
           </p:cNvPr>
@@ -4175,8 +4166,8 @@
         </p:blipFill>
         <p:spPr bwMode="auto">
           <a:xfrm>
-            <a:off x="6687685" y="1600199"/>
-            <a:ext cx="5131858" cy="4572000"/>
+            <a:off x="3020652" y="1872963"/>
+            <a:ext cx="6303096" cy="4407474"/>
           </a:xfrm>
           <a:prstGeom prst="rect">
             <a:avLst/>
@@ -4246,7 +4237,7 @@
           <a:p>
             <a:r>
               <a:rPr lang="hu-HU" dirty="0"/>
-              <a:t>Hogyan írunk elágazást?</a:t>
+              <a:t>Hogyan írunk osztályt?</a:t>
             </a:r>
           </a:p>
         </p:txBody>
